--- a/2-ccs/lec26-rw-example-v14.pptx
+++ b/2-ccs/lec26-rw-example-v14.pptx
@@ -26378,57 +26378,48 @@
             <a:pPr lvl="2"/>
             <a:r>
               <a:rPr lang="en-US" altLang="ko-KR" sz="2000" dirty="0"/>
-              <a:t>While no reader is reading the common data area (</a:t>
-            </a:r>
-            <a:r>
-              <a:rPr lang="en-US" altLang="ko-KR" sz="2000" dirty="0" err="1"/>
-              <a:t>CDA</a:t>
-            </a:r>
-            <a:r>
-              <a:rPr lang="en-US" altLang="ko-KR" sz="2000" dirty="0"/>
-              <a:t>),  if a writer has tried to write to </a:t>
-            </a:r>
-            <a:r>
-              <a:rPr lang="en-US" altLang="ko-KR" sz="2000" dirty="0" err="1"/>
-              <a:t>CDA</a:t>
-            </a:r>
-            <a:r>
-              <a:rPr lang="en-US" altLang="ko-KR" sz="2000" dirty="0"/>
-              <a:t> at the time instance T, </a:t>
+              <a:t>While no reader is reading the common data area (CDA),  </a:t>
             </a:r>
             <a:br>
               <a:rPr lang="en-US" altLang="ko-KR" sz="2000" dirty="0"/>
             </a:br>
             <a:r>
               <a:rPr lang="en-US" altLang="ko-KR" sz="2000" dirty="0"/>
-              <a:t>no reader should read CDA after T </a:t>
+              <a:t>if a writer has tried to write to CDA at the time instance T, </a:t>
             </a:r>
             <a:br>
               <a:rPr lang="en-US" altLang="ko-KR" sz="2000" dirty="0"/>
             </a:br>
             <a:r>
               <a:rPr lang="en-US" altLang="ko-KR" sz="2000" dirty="0"/>
-              <a:t>until the writer completes writing.</a:t>
-            </a:r>
-          </a:p>
-          <a:p>
-            <a:pPr lvl="1"/>
-            <a:r>
-              <a:rPr lang="en-US" altLang="ko-KR" sz="2400" dirty="0"/>
-              <a:t>HPW#2</a:t>
-            </a:r>
-          </a:p>
-          <a:p>
-            <a:pPr lvl="2"/>
-            <a:r>
-              <a:rPr lang="en-US" altLang="ko-KR" sz="2000" dirty="0"/>
-              <a:t>While no reader is reading CDA, </a:t>
+              <a:t>no reader should read CDA after T </a:t>
             </a:r>
             <a:br>
               <a:rPr lang="en-US" altLang="ko-KR" sz="2000" dirty="0"/>
             </a:br>
             <a:r>
               <a:rPr lang="en-US" altLang="ko-KR" sz="2000" dirty="0"/>
+              <a:t>until the writer completes writing.</a:t>
+            </a:r>
+          </a:p>
+          <a:p>
+            <a:pPr lvl="1"/>
+            <a:r>
+              <a:rPr lang="en-US" altLang="ko-KR" sz="2400" dirty="0"/>
+              <a:t>HPW#2</a:t>
+            </a:r>
+          </a:p>
+          <a:p>
+            <a:pPr lvl="2"/>
+            <a:r>
+              <a:rPr lang="en-US" altLang="ko-KR" sz="2000" dirty="0"/>
+              <a:t>While no reader is reading CDA, </a:t>
+            </a:r>
+            <a:br>
+              <a:rPr lang="en-US" altLang="ko-KR" sz="2000" dirty="0"/>
+            </a:br>
+            <a:r>
+              <a:rPr lang="en-US" altLang="ko-KR" sz="2000" dirty="0"/>
               <a:t>if a writer has tried to write to CDA at the time instance T and</a:t>
             </a:r>
           </a:p>
@@ -26480,7 +26471,23 @@
             </a:r>
             <a:r>
               <a:rPr lang="en-US" altLang="ko-KR" sz="1600" dirty="0"/>
-              <a:t> may read CDA before W</a:t>
+              <a:t> may read CDA before W writes</a:t>
+            </a:r>
+            <a:r>
+              <a:rPr lang="ko-KR" altLang="en-US" sz="1600" dirty="0"/>
+              <a:t> </a:t>
+            </a:r>
+            <a:r>
+              <a:rPr lang="en-US" altLang="ko-KR" sz="1600" dirty="0"/>
+              <a:t>to</a:t>
+            </a:r>
+            <a:r>
+              <a:rPr lang="ko-KR" altLang="en-US" sz="1600" dirty="0"/>
+              <a:t> </a:t>
+            </a:r>
+            <a:r>
+              <a:rPr lang="en-US" altLang="ko-KR" sz="1600"/>
+              <a:t>CDA</a:t>
             </a:r>
             <a:br>
               <a:rPr lang="en-US" altLang="ko-KR" sz="1600" u="sng" dirty="0"/>
@@ -31539,7 +31546,7 @@
           <a:graphicData uri="http://schemas.openxmlformats.org/presentationml/2006/ole">
             <mc:AlternateContent xmlns:mc="http://schemas.openxmlformats.org/markup-compatibility/2006">
               <mc:Choice xmlns:v="urn:schemas-microsoft-com:vml" Requires="v">
-                <p:oleObj spid="_x0000_s1028" name="비트맵 이미지" r:id="rId3" imgW="1676634" imgH="2685714" progId="Paint.Picture">
+                <p:oleObj spid="_x0000_s1030" name="비트맵 이미지" r:id="rId3" imgW="1676634" imgH="2685714" progId="Paint.Picture">
                   <p:embed/>
                 </p:oleObj>
               </mc:Choice>
@@ -31862,7 +31869,7 @@
           <a:graphicData uri="http://schemas.openxmlformats.org/presentationml/2006/ole">
             <mc:AlternateContent xmlns:mc="http://schemas.openxmlformats.org/markup-compatibility/2006">
               <mc:Choice xmlns:v="urn:schemas-microsoft-com:vml" Requires="v">
-                <p:oleObj spid="_x0000_s1029" name="비트맵 이미지" r:id="rId7" imgW="3123810" imgH="2057143" progId="Paint.Picture">
+                <p:oleObj spid="_x0000_s1031" name="비트맵 이미지" r:id="rId7" imgW="3123810" imgH="2057143" progId="Paint.Picture">
                   <p:embed/>
                 </p:oleObj>
               </mc:Choice>
